--- a/Lab6/ProblemA.pptx
+++ b/Lab6/ProblemA.pptx
@@ -11,15 +11,16 @@
     <p:sldId id="257" r:id="rId5"/>
     <p:sldId id="265" r:id="rId6"/>
     <p:sldId id="266" r:id="rId7"/>
-    <p:sldId id="267" r:id="rId8"/>
-    <p:sldId id="269" r:id="rId9"/>
-    <p:sldId id="258" r:id="rId10"/>
-    <p:sldId id="270" r:id="rId11"/>
-    <p:sldId id="259" r:id="rId12"/>
-    <p:sldId id="260" r:id="rId13"/>
-    <p:sldId id="271" r:id="rId14"/>
-    <p:sldId id="261" r:id="rId15"/>
-    <p:sldId id="262" r:id="rId16"/>
+    <p:sldId id="272" r:id="rId8"/>
+    <p:sldId id="267" r:id="rId9"/>
+    <p:sldId id="269" r:id="rId10"/>
+    <p:sldId id="258" r:id="rId11"/>
+    <p:sldId id="270" r:id="rId12"/>
+    <p:sldId id="259" r:id="rId13"/>
+    <p:sldId id="260" r:id="rId14"/>
+    <p:sldId id="271" r:id="rId15"/>
+    <p:sldId id="261" r:id="rId16"/>
+    <p:sldId id="262" r:id="rId17"/>
   </p:sldIdLst>
   <p:sldSz cx="12192000" cy="6858000"/>
   <p:notesSz cx="6858000" cy="9144000"/>
@@ -273,7 +274,7 @@
           <a:p>
             <a:fld id="{0E14E176-874A-BB40-A424-327E62496763}" type="datetimeFigureOut">
               <a:rPr lang="en-US" smtClean="0"/>
-              <a:t>11/6/23</a:t>
+              <a:t>11/7/23</a:t>
             </a:fld>
             <a:endParaRPr lang="en-US"/>
           </a:p>
@@ -479,7 +480,7 @@
           <a:p>
             <a:fld id="{0E14E176-874A-BB40-A424-327E62496763}" type="datetimeFigureOut">
               <a:rPr lang="en-US" smtClean="0"/>
-              <a:t>11/6/23</a:t>
+              <a:t>11/7/23</a:t>
             </a:fld>
             <a:endParaRPr lang="en-US"/>
           </a:p>
@@ -695,7 +696,7 @@
           <a:p>
             <a:fld id="{0E14E176-874A-BB40-A424-327E62496763}" type="datetimeFigureOut">
               <a:rPr lang="en-US" smtClean="0"/>
-              <a:t>11/6/23</a:t>
+              <a:t>11/7/23</a:t>
             </a:fld>
             <a:endParaRPr lang="en-US"/>
           </a:p>
@@ -901,7 +902,7 @@
           <a:p>
             <a:fld id="{0E14E176-874A-BB40-A424-327E62496763}" type="datetimeFigureOut">
               <a:rPr lang="en-US" smtClean="0"/>
-              <a:t>11/6/23</a:t>
+              <a:t>11/7/23</a:t>
             </a:fld>
             <a:endParaRPr lang="en-US"/>
           </a:p>
@@ -1184,7 +1185,7 @@
           <a:p>
             <a:fld id="{0E14E176-874A-BB40-A424-327E62496763}" type="datetimeFigureOut">
               <a:rPr lang="en-US" smtClean="0"/>
-              <a:t>11/6/23</a:t>
+              <a:t>11/7/23</a:t>
             </a:fld>
             <a:endParaRPr lang="en-US"/>
           </a:p>
@@ -1457,7 +1458,7 @@
           <a:p>
             <a:fld id="{0E14E176-874A-BB40-A424-327E62496763}" type="datetimeFigureOut">
               <a:rPr lang="en-US" smtClean="0"/>
-              <a:t>11/6/23</a:t>
+              <a:t>11/7/23</a:t>
             </a:fld>
             <a:endParaRPr lang="en-US"/>
           </a:p>
@@ -1877,7 +1878,7 @@
           <a:p>
             <a:fld id="{0E14E176-874A-BB40-A424-327E62496763}" type="datetimeFigureOut">
               <a:rPr lang="en-US" smtClean="0"/>
-              <a:t>11/6/23</a:t>
+              <a:t>11/7/23</a:t>
             </a:fld>
             <a:endParaRPr lang="en-US"/>
           </a:p>
@@ -2026,7 +2027,7 @@
           <a:p>
             <a:fld id="{0E14E176-874A-BB40-A424-327E62496763}" type="datetimeFigureOut">
               <a:rPr lang="en-US" smtClean="0"/>
-              <a:t>11/6/23</a:t>
+              <a:t>11/7/23</a:t>
             </a:fld>
             <a:endParaRPr lang="en-US"/>
           </a:p>
@@ -2147,7 +2148,7 @@
           <a:p>
             <a:fld id="{0E14E176-874A-BB40-A424-327E62496763}" type="datetimeFigureOut">
               <a:rPr lang="en-US" smtClean="0"/>
-              <a:t>11/6/23</a:t>
+              <a:t>11/7/23</a:t>
             </a:fld>
             <a:endParaRPr lang="en-US"/>
           </a:p>
@@ -2466,7 +2467,7 @@
           <a:p>
             <a:fld id="{0E14E176-874A-BB40-A424-327E62496763}" type="datetimeFigureOut">
               <a:rPr lang="en-US" smtClean="0"/>
-              <a:t>11/6/23</a:t>
+              <a:t>11/7/23</a:t>
             </a:fld>
             <a:endParaRPr lang="en-US"/>
           </a:p>
@@ -2762,7 +2763,7 @@
           <a:p>
             <a:fld id="{0E14E176-874A-BB40-A424-327E62496763}" type="datetimeFigureOut">
               <a:rPr lang="en-US" smtClean="0"/>
-              <a:t>11/6/23</a:t>
+              <a:t>11/7/23</a:t>
             </a:fld>
             <a:endParaRPr lang="en-US"/>
           </a:p>
@@ -3011,7 +3012,7 @@
           <a:p>
             <a:fld id="{0E14E176-874A-BB40-A424-327E62496763}" type="datetimeFigureOut">
               <a:rPr lang="en-US" smtClean="0"/>
-              <a:t>11/6/23</a:t>
+              <a:t>11/7/23</a:t>
             </a:fld>
             <a:endParaRPr lang="en-US"/>
           </a:p>
@@ -3639,8 +3640,8 @@
         </p:nvSpPr>
         <p:spPr>
           <a:xfrm>
-            <a:off x="3725967" y="1905713"/>
-            <a:ext cx="5751319" cy="1909984"/>
+            <a:off x="3725967" y="1659835"/>
+            <a:ext cx="5751319" cy="2155862"/>
           </a:xfrm>
           <a:prstGeom prst="rect">
             <a:avLst/>
@@ -3695,6 +3696,12 @@
           <a:p>
             <a:r>
               <a:rPr lang="en-US" dirty="0"/>
+              <a:t>	argument:{length:0},</a:t>
+            </a:r>
+          </a:p>
+          <a:p>
+            <a:r>
+              <a:rPr lang="en-US" dirty="0"/>
               <a:t>	a: fun,</a:t>
             </a:r>
           </a:p>
@@ -3790,75 +3797,6 @@
       </p:sp>
       <p:sp>
         <p:nvSpPr>
-          <p:cNvPr id="5" name="Rectangle 4">
-            <a:extLst>
-              <a:ext uri="{FF2B5EF4-FFF2-40B4-BE49-F238E27FC236}">
-                <a16:creationId xmlns:a16="http://schemas.microsoft.com/office/drawing/2014/main" id="{10B4D83D-50A3-9A71-D18A-111EA369753A}"/>
-              </a:ext>
-            </a:extLst>
-          </p:cNvPr>
-          <p:cNvSpPr/>
-          <p:nvPr/>
-        </p:nvSpPr>
-        <p:spPr>
-          <a:xfrm>
-            <a:off x="3725967" y="564021"/>
-            <a:ext cx="5751319" cy="1256231"/>
-          </a:xfrm>
-          <a:prstGeom prst="rect">
-            <a:avLst/>
-          </a:prstGeom>
-        </p:spPr>
-        <p:style>
-          <a:lnRef idx="2">
-            <a:schemeClr val="accent6"/>
-          </a:lnRef>
-          <a:fillRef idx="1">
-            <a:schemeClr val="lt1"/>
-          </a:fillRef>
-          <a:effectRef idx="0">
-            <a:schemeClr val="accent6"/>
-          </a:effectRef>
-          <a:fontRef idx="minor">
-            <a:schemeClr val="dk1"/>
-          </a:fontRef>
-        </p:style>
-        <p:txBody>
-          <a:bodyPr rtlCol="0" anchor="ctr"/>
-          <a:lstStyle/>
-          <a:p>
-            <a:r>
-              <a:rPr lang="en-US" u="sng" dirty="0"/>
-              <a:t>A Function Execution Context: Creation </a:t>
-            </a:r>
-            <a:endParaRPr lang="en-US" u="sng" dirty="0">
-              <a:solidFill>
-                <a:srgbClr val="FF0000"/>
-              </a:solidFill>
-            </a:endParaRPr>
-          </a:p>
-          <a:p>
-            <a:r>
-              <a:rPr lang="en-US" dirty="0"/>
-              <a:t>Lexical Environment{</a:t>
-            </a:r>
-          </a:p>
-          <a:p>
-            <a:r>
-              <a:rPr lang="en-US" dirty="0"/>
-              <a:t>	outer: B Function</a:t>
-            </a:r>
-          </a:p>
-          <a:p>
-            <a:r>
-              <a:rPr lang="en-US" dirty="0"/>
-              <a:t>}</a:t>
-            </a:r>
-          </a:p>
-        </p:txBody>
-      </p:sp>
-      <p:sp>
-        <p:nvSpPr>
           <p:cNvPr id="9" name="Rectangle 8">
             <a:extLst>
               <a:ext uri="{FF2B5EF4-FFF2-40B4-BE49-F238E27FC236}">
@@ -4001,10 +3939,10 @@
       </p:sp>
       <p:pic>
         <p:nvPicPr>
-          <p:cNvPr id="8" name="Picture 7">
-            <a:extLst>
-              <a:ext uri="{FF2B5EF4-FFF2-40B4-BE49-F238E27FC236}">
-                <a16:creationId xmlns:a16="http://schemas.microsoft.com/office/drawing/2014/main" id="{304C30B1-84C3-F2CE-939B-AB682C7E731A}"/>
+          <p:cNvPr id="7" name="Picture 6">
+            <a:extLst>
+              <a:ext uri="{FF2B5EF4-FFF2-40B4-BE49-F238E27FC236}">
+                <a16:creationId xmlns:a16="http://schemas.microsoft.com/office/drawing/2014/main" id="{6683A9FB-61E3-1A17-0621-6B53A4AB58AE}"/>
               </a:ext>
             </a:extLst>
           </p:cNvPr>
@@ -4032,7 +3970,7 @@
     </p:spTree>
     <p:extLst>
       <p:ext uri="{BB962C8B-B14F-4D97-AF65-F5344CB8AC3E}">
-        <p14:creationId xmlns:p14="http://schemas.microsoft.com/office/powerpoint/2010/main" val="463762772"/>
+        <p14:creationId xmlns:p14="http://schemas.microsoft.com/office/powerpoint/2010/main" val="207228582"/>
       </p:ext>
     </p:extLst>
   </p:cSld>
@@ -4067,12 +4005,392 @@
           <a:chExt cx="0" cy="0"/>
         </a:xfrm>
       </p:grpSpPr>
+      <p:sp>
+        <p:nvSpPr>
+          <p:cNvPr id="2" name="Rectangle 1">
+            <a:extLst>
+              <a:ext uri="{FF2B5EF4-FFF2-40B4-BE49-F238E27FC236}">
+                <a16:creationId xmlns:a16="http://schemas.microsoft.com/office/drawing/2014/main" id="{42EAE9DC-5CED-47D2-B569-043222F811C4}"/>
+              </a:ext>
+            </a:extLst>
+          </p:cNvPr>
+          <p:cNvSpPr/>
+          <p:nvPr/>
+        </p:nvSpPr>
+        <p:spPr>
+          <a:xfrm>
+            <a:off x="3725967" y="1649337"/>
+            <a:ext cx="5751319" cy="2166360"/>
+          </a:xfrm>
+          <a:prstGeom prst="rect">
+            <a:avLst/>
+          </a:prstGeom>
+        </p:spPr>
+        <p:style>
+          <a:lnRef idx="2">
+            <a:schemeClr val="accent6"/>
+          </a:lnRef>
+          <a:fillRef idx="1">
+            <a:schemeClr val="lt1"/>
+          </a:fillRef>
+          <a:effectRef idx="0">
+            <a:schemeClr val="accent6"/>
+          </a:effectRef>
+          <a:fontRef idx="minor">
+            <a:schemeClr val="dk1"/>
+          </a:fontRef>
+        </p:style>
+        <p:txBody>
+          <a:bodyPr rtlCol="0" anchor="ctr"/>
+          <a:lstStyle/>
+          <a:p>
+            <a:r>
+              <a:rPr lang="en-US" u="sng" dirty="0"/>
+              <a:t>B Function Execution Context: Creation </a:t>
+            </a:r>
+            <a:r>
+              <a:rPr lang="en-US" u="sng" dirty="0">
+                <a:solidFill>
+                  <a:srgbClr val="FF0000"/>
+                </a:solidFill>
+              </a:rPr>
+              <a:t>-&gt; Execution</a:t>
+            </a:r>
+            <a:r>
+              <a:rPr lang="en-US" u="sng" dirty="0"/>
+              <a:t> </a:t>
+            </a:r>
+            <a:endParaRPr lang="en-US" u="sng" dirty="0">
+              <a:solidFill>
+                <a:srgbClr val="FF0000"/>
+              </a:solidFill>
+            </a:endParaRPr>
+          </a:p>
+          <a:p>
+            <a:r>
+              <a:rPr lang="en-US" dirty="0"/>
+              <a:t>Lexical Environment{</a:t>
+            </a:r>
+          </a:p>
+          <a:p>
+            <a:r>
+              <a:rPr lang="en-US" dirty="0"/>
+              <a:t>	argument:{length:0},</a:t>
+            </a:r>
+          </a:p>
+          <a:p>
+            <a:r>
+              <a:rPr lang="en-US" dirty="0"/>
+              <a:t>	a: fun,</a:t>
+            </a:r>
+          </a:p>
+          <a:p>
+            <a:r>
+              <a:rPr lang="en-US" dirty="0"/>
+              <a:t>	x: undefined,</a:t>
+            </a:r>
+          </a:p>
+          <a:p>
+            <a:r>
+              <a:rPr lang="en-US" dirty="0"/>
+              <a:t>	y: </a:t>
+            </a:r>
+            <a:r>
+              <a:rPr lang="en-US" dirty="0">
+                <a:solidFill>
+                  <a:srgbClr val="FF0000"/>
+                </a:solidFill>
+              </a:rPr>
+              <a:t>30</a:t>
+            </a:r>
+            <a:r>
+              <a:rPr lang="en-US" dirty="0"/>
+              <a:t>,</a:t>
+            </a:r>
+          </a:p>
+          <a:p>
+            <a:r>
+              <a:rPr lang="en-US" dirty="0"/>
+              <a:t>	outer: Global</a:t>
+            </a:r>
+          </a:p>
+          <a:p>
+            <a:r>
+              <a:rPr lang="en-US" dirty="0"/>
+              <a:t>}</a:t>
+            </a:r>
+          </a:p>
+        </p:txBody>
+      </p:sp>
+      <p:sp>
+        <p:nvSpPr>
+          <p:cNvPr id="3" name="Rounded Rectangle 2">
+            <a:extLst>
+              <a:ext uri="{FF2B5EF4-FFF2-40B4-BE49-F238E27FC236}">
+                <a16:creationId xmlns:a16="http://schemas.microsoft.com/office/drawing/2014/main" id="{8491966F-2F10-DA43-D51C-0138F625C089}"/>
+              </a:ext>
+            </a:extLst>
+          </p:cNvPr>
+          <p:cNvSpPr/>
+          <p:nvPr/>
+        </p:nvSpPr>
+        <p:spPr>
+          <a:xfrm>
+            <a:off x="9723632" y="2106537"/>
+            <a:ext cx="1777526" cy="1076770"/>
+          </a:xfrm>
+          <a:prstGeom prst="roundRect">
+            <a:avLst/>
+          </a:prstGeom>
+        </p:spPr>
+        <p:style>
+          <a:lnRef idx="2">
+            <a:schemeClr val="accent6"/>
+          </a:lnRef>
+          <a:fillRef idx="1">
+            <a:schemeClr val="lt1"/>
+          </a:fillRef>
+          <a:effectRef idx="0">
+            <a:schemeClr val="accent6"/>
+          </a:effectRef>
+          <a:fontRef idx="minor">
+            <a:schemeClr val="dk1"/>
+          </a:fontRef>
+        </p:style>
+        <p:txBody>
+          <a:bodyPr rtlCol="0" anchor="t"/>
+          <a:lstStyle/>
+          <a:p>
+            <a:r>
+              <a:rPr lang="en-US" sz="1600" u="sng" dirty="0"/>
+              <a:t>Temp Data Zone</a:t>
+            </a:r>
+          </a:p>
+          <a:p>
+            <a:r>
+              <a:rPr lang="en-US" sz="1600" strike="sngStrike" dirty="0"/>
+              <a:t>Const y</a:t>
+            </a:r>
+          </a:p>
+        </p:txBody>
+      </p:sp>
+      <p:sp>
+        <p:nvSpPr>
+          <p:cNvPr id="5" name="Rectangle 4">
+            <a:extLst>
+              <a:ext uri="{FF2B5EF4-FFF2-40B4-BE49-F238E27FC236}">
+                <a16:creationId xmlns:a16="http://schemas.microsoft.com/office/drawing/2014/main" id="{10B4D83D-50A3-9A71-D18A-111EA369753A}"/>
+              </a:ext>
+            </a:extLst>
+          </p:cNvPr>
+          <p:cNvSpPr/>
+          <p:nvPr/>
+        </p:nvSpPr>
+        <p:spPr>
+          <a:xfrm>
+            <a:off x="3725966" y="328241"/>
+            <a:ext cx="5751319" cy="1256231"/>
+          </a:xfrm>
+          <a:prstGeom prst="rect">
+            <a:avLst/>
+          </a:prstGeom>
+        </p:spPr>
+        <p:style>
+          <a:lnRef idx="2">
+            <a:schemeClr val="accent6"/>
+          </a:lnRef>
+          <a:fillRef idx="1">
+            <a:schemeClr val="lt1"/>
+          </a:fillRef>
+          <a:effectRef idx="0">
+            <a:schemeClr val="accent6"/>
+          </a:effectRef>
+          <a:fontRef idx="minor">
+            <a:schemeClr val="dk1"/>
+          </a:fontRef>
+        </p:style>
+        <p:txBody>
+          <a:bodyPr rtlCol="0" anchor="ctr"/>
+          <a:lstStyle/>
+          <a:p>
+            <a:r>
+              <a:rPr lang="en-US" u="sng" dirty="0"/>
+              <a:t>A Function Execution Context: Creation </a:t>
+            </a:r>
+            <a:endParaRPr lang="en-US" u="sng" dirty="0">
+              <a:solidFill>
+                <a:srgbClr val="FF0000"/>
+              </a:solidFill>
+            </a:endParaRPr>
+          </a:p>
+          <a:p>
+            <a:r>
+              <a:rPr lang="en-US" dirty="0"/>
+              <a:t>Lexical Environment{</a:t>
+            </a:r>
+          </a:p>
+          <a:p>
+            <a:r>
+              <a:rPr lang="en-US" dirty="0"/>
+              <a:t>	outer: B Function</a:t>
+            </a:r>
+          </a:p>
+          <a:p>
+            <a:r>
+              <a:rPr lang="en-US" dirty="0"/>
+              <a:t>}</a:t>
+            </a:r>
+          </a:p>
+        </p:txBody>
+      </p:sp>
+      <p:sp>
+        <p:nvSpPr>
+          <p:cNvPr id="9" name="Rectangle 8">
+            <a:extLst>
+              <a:ext uri="{FF2B5EF4-FFF2-40B4-BE49-F238E27FC236}">
+                <a16:creationId xmlns:a16="http://schemas.microsoft.com/office/drawing/2014/main" id="{D5E2A63C-7FAA-B79A-5C8F-38168CA834C3}"/>
+              </a:ext>
+            </a:extLst>
+          </p:cNvPr>
+          <p:cNvSpPr/>
+          <p:nvPr/>
+        </p:nvSpPr>
+        <p:spPr>
+          <a:xfrm>
+            <a:off x="3725968" y="3896883"/>
+            <a:ext cx="5751319" cy="1939895"/>
+          </a:xfrm>
+          <a:prstGeom prst="rect">
+            <a:avLst/>
+          </a:prstGeom>
+        </p:spPr>
+        <p:style>
+          <a:lnRef idx="2">
+            <a:schemeClr val="accent6"/>
+          </a:lnRef>
+          <a:fillRef idx="1">
+            <a:schemeClr val="lt1"/>
+          </a:fillRef>
+          <a:effectRef idx="0">
+            <a:schemeClr val="accent6"/>
+          </a:effectRef>
+          <a:fontRef idx="minor">
+            <a:schemeClr val="dk1"/>
+          </a:fontRef>
+        </p:style>
+        <p:txBody>
+          <a:bodyPr rtlCol="0" anchor="ctr"/>
+          <a:lstStyle/>
+          <a:p>
+            <a:r>
+              <a:rPr lang="en-US" u="sng" dirty="0"/>
+              <a:t>Global Execution Context: Creation </a:t>
+            </a:r>
+            <a:r>
+              <a:rPr lang="en-US" u="sng" dirty="0">
+                <a:solidFill>
+                  <a:srgbClr val="FF0000"/>
+                </a:solidFill>
+              </a:rPr>
+              <a:t>-&gt; Execution</a:t>
+            </a:r>
+          </a:p>
+          <a:p>
+            <a:r>
+              <a:rPr lang="en-US" dirty="0"/>
+              <a:t>Lexical Environment{</a:t>
+            </a:r>
+          </a:p>
+          <a:p>
+            <a:r>
+              <a:rPr lang="en-US" dirty="0"/>
+              <a:t>	b: fun, </a:t>
+            </a:r>
+          </a:p>
+          <a:p>
+            <a:r>
+              <a:rPr lang="en-US" dirty="0"/>
+              <a:t>	y: 40,</a:t>
+            </a:r>
+          </a:p>
+          <a:p>
+            <a:r>
+              <a:rPr lang="en-US" dirty="0"/>
+              <a:t>	x:20, </a:t>
+            </a:r>
+          </a:p>
+          <a:p>
+            <a:r>
+              <a:rPr lang="en-US" dirty="0"/>
+              <a:t>	outer: null</a:t>
+            </a:r>
+          </a:p>
+          <a:p>
+            <a:r>
+              <a:rPr lang="en-US" dirty="0"/>
+              <a:t>}</a:t>
+            </a:r>
+          </a:p>
+        </p:txBody>
+      </p:sp>
+      <p:sp>
+        <p:nvSpPr>
+          <p:cNvPr id="10" name="Rounded Rectangle 9">
+            <a:extLst>
+              <a:ext uri="{FF2B5EF4-FFF2-40B4-BE49-F238E27FC236}">
+                <a16:creationId xmlns:a16="http://schemas.microsoft.com/office/drawing/2014/main" id="{AFE3EBF5-DAAF-F920-A02C-F878B9FFA555}"/>
+              </a:ext>
+            </a:extLst>
+          </p:cNvPr>
+          <p:cNvSpPr/>
+          <p:nvPr/>
+        </p:nvSpPr>
+        <p:spPr>
+          <a:xfrm>
+            <a:off x="9793423" y="4136164"/>
+            <a:ext cx="1777526" cy="1076770"/>
+          </a:xfrm>
+          <a:prstGeom prst="roundRect">
+            <a:avLst/>
+          </a:prstGeom>
+        </p:spPr>
+        <p:style>
+          <a:lnRef idx="2">
+            <a:schemeClr val="accent6"/>
+          </a:lnRef>
+          <a:fillRef idx="1">
+            <a:schemeClr val="lt1"/>
+          </a:fillRef>
+          <a:effectRef idx="0">
+            <a:schemeClr val="accent6"/>
+          </a:effectRef>
+          <a:fontRef idx="minor">
+            <a:schemeClr val="dk1"/>
+          </a:fontRef>
+        </p:style>
+        <p:txBody>
+          <a:bodyPr rtlCol="0" anchor="t"/>
+          <a:lstStyle/>
+          <a:p>
+            <a:r>
+              <a:rPr lang="en-US" sz="1600" u="sng" dirty="0"/>
+              <a:t>Temp Data Zone</a:t>
+            </a:r>
+          </a:p>
+          <a:p>
+            <a:r>
+              <a:rPr lang="en-US" sz="1600" strike="sngStrike" dirty="0"/>
+              <a:t>Const x</a:t>
+            </a:r>
+          </a:p>
+        </p:txBody>
+      </p:sp>
       <p:pic>
         <p:nvPicPr>
-          <p:cNvPr id="4" name="Picture 3">
-            <a:extLst>
-              <a:ext uri="{FF2B5EF4-FFF2-40B4-BE49-F238E27FC236}">
-                <a16:creationId xmlns:a16="http://schemas.microsoft.com/office/drawing/2014/main" id="{7973C21C-6F21-D262-6596-E415A0B19257}"/>
+          <p:cNvPr id="8" name="Picture 7">
+            <a:extLst>
+              <a:ext uri="{FF2B5EF4-FFF2-40B4-BE49-F238E27FC236}">
+                <a16:creationId xmlns:a16="http://schemas.microsoft.com/office/drawing/2014/main" id="{304C30B1-84C3-F2CE-939B-AB682C7E731A}"/>
               </a:ext>
             </a:extLst>
           </p:cNvPr>
@@ -4089,7 +4407,7 @@
         </p:blipFill>
         <p:spPr>
           <a:xfrm>
-            <a:off x="356016" y="564021"/>
+            <a:off x="526932" y="956357"/>
             <a:ext cx="2882900" cy="3492500"/>
           </a:xfrm>
           <a:prstGeom prst="rect">
@@ -4097,436 +4415,10 @@
           </a:prstGeom>
         </p:spPr>
       </p:pic>
-      <p:sp>
-        <p:nvSpPr>
-          <p:cNvPr id="2" name="Rectangle 1">
-            <a:extLst>
-              <a:ext uri="{FF2B5EF4-FFF2-40B4-BE49-F238E27FC236}">
-                <a16:creationId xmlns:a16="http://schemas.microsoft.com/office/drawing/2014/main" id="{42EAE9DC-5CED-47D2-B569-043222F811C4}"/>
-              </a:ext>
-            </a:extLst>
-          </p:cNvPr>
-          <p:cNvSpPr/>
-          <p:nvPr/>
-        </p:nvSpPr>
-        <p:spPr>
-          <a:xfrm>
-            <a:off x="3725967" y="1905713"/>
-            <a:ext cx="5751319" cy="1909984"/>
-          </a:xfrm>
-          <a:prstGeom prst="rect">
-            <a:avLst/>
-          </a:prstGeom>
-        </p:spPr>
-        <p:style>
-          <a:lnRef idx="2">
-            <a:schemeClr val="accent6"/>
-          </a:lnRef>
-          <a:fillRef idx="1">
-            <a:schemeClr val="lt1"/>
-          </a:fillRef>
-          <a:effectRef idx="0">
-            <a:schemeClr val="accent6"/>
-          </a:effectRef>
-          <a:fontRef idx="minor">
-            <a:schemeClr val="dk1"/>
-          </a:fontRef>
-        </p:style>
-        <p:txBody>
-          <a:bodyPr rtlCol="0" anchor="ctr"/>
-          <a:lstStyle/>
-          <a:p>
-            <a:r>
-              <a:rPr lang="en-US" u="sng" dirty="0"/>
-              <a:t>B Function Execution Context: Creation </a:t>
-            </a:r>
-            <a:r>
-              <a:rPr lang="en-US" u="sng" dirty="0">
-                <a:solidFill>
-                  <a:srgbClr val="FF0000"/>
-                </a:solidFill>
-              </a:rPr>
-              <a:t>-&gt; Execution</a:t>
-            </a:r>
-            <a:r>
-              <a:rPr lang="en-US" u="sng" dirty="0"/>
-              <a:t> </a:t>
-            </a:r>
-            <a:endParaRPr lang="en-US" u="sng" dirty="0">
-              <a:solidFill>
-                <a:srgbClr val="FF0000"/>
-              </a:solidFill>
-            </a:endParaRPr>
-          </a:p>
-          <a:p>
-            <a:r>
-              <a:rPr lang="en-US" dirty="0"/>
-              <a:t>Lexical Environment{</a:t>
-            </a:r>
-          </a:p>
-          <a:p>
-            <a:r>
-              <a:rPr lang="en-US" dirty="0"/>
-              <a:t>	a: fun,</a:t>
-            </a:r>
-          </a:p>
-          <a:p>
-            <a:r>
-              <a:rPr lang="en-US" dirty="0"/>
-              <a:t>	x: undefined,</a:t>
-            </a:r>
-          </a:p>
-          <a:p>
-            <a:r>
-              <a:rPr lang="en-US" dirty="0"/>
-              <a:t>	y: 30,</a:t>
-            </a:r>
-          </a:p>
-          <a:p>
-            <a:r>
-              <a:rPr lang="en-US" dirty="0"/>
-              <a:t>	outer: Global</a:t>
-            </a:r>
-          </a:p>
-          <a:p>
-            <a:r>
-              <a:rPr lang="en-US" dirty="0"/>
-              <a:t>}</a:t>
-            </a:r>
-          </a:p>
-        </p:txBody>
-      </p:sp>
-      <p:sp>
-        <p:nvSpPr>
-          <p:cNvPr id="3" name="Rounded Rectangle 2">
-            <a:extLst>
-              <a:ext uri="{FF2B5EF4-FFF2-40B4-BE49-F238E27FC236}">
-                <a16:creationId xmlns:a16="http://schemas.microsoft.com/office/drawing/2014/main" id="{8491966F-2F10-DA43-D51C-0138F625C089}"/>
-              </a:ext>
-            </a:extLst>
-          </p:cNvPr>
-          <p:cNvSpPr/>
-          <p:nvPr/>
-        </p:nvSpPr>
-        <p:spPr>
-          <a:xfrm>
-            <a:off x="9723632" y="2106537"/>
-            <a:ext cx="1777526" cy="1076770"/>
-          </a:xfrm>
-          <a:prstGeom prst="roundRect">
-            <a:avLst/>
-          </a:prstGeom>
-        </p:spPr>
-        <p:style>
-          <a:lnRef idx="2">
-            <a:schemeClr val="accent6"/>
-          </a:lnRef>
-          <a:fillRef idx="1">
-            <a:schemeClr val="lt1"/>
-          </a:fillRef>
-          <a:effectRef idx="0">
-            <a:schemeClr val="accent6"/>
-          </a:effectRef>
-          <a:fontRef idx="minor">
-            <a:schemeClr val="dk1"/>
-          </a:fontRef>
-        </p:style>
-        <p:txBody>
-          <a:bodyPr rtlCol="0" anchor="t"/>
-          <a:lstStyle/>
-          <a:p>
-            <a:r>
-              <a:rPr lang="en-US" sz="1600" u="sng" dirty="0"/>
-              <a:t>Temp Data Zone</a:t>
-            </a:r>
-          </a:p>
-          <a:p>
-            <a:r>
-              <a:rPr lang="en-US" sz="1600" strike="sngStrike" dirty="0"/>
-              <a:t>Const y</a:t>
-            </a:r>
-          </a:p>
-        </p:txBody>
-      </p:sp>
-      <p:sp>
-        <p:nvSpPr>
-          <p:cNvPr id="5" name="Rectangle 4">
-            <a:extLst>
-              <a:ext uri="{FF2B5EF4-FFF2-40B4-BE49-F238E27FC236}">
-                <a16:creationId xmlns:a16="http://schemas.microsoft.com/office/drawing/2014/main" id="{10B4D83D-50A3-9A71-D18A-111EA369753A}"/>
-              </a:ext>
-            </a:extLst>
-          </p:cNvPr>
-          <p:cNvSpPr/>
-          <p:nvPr/>
-        </p:nvSpPr>
-        <p:spPr>
-          <a:xfrm>
-            <a:off x="3725967" y="564021"/>
-            <a:ext cx="5751319" cy="1256231"/>
-          </a:xfrm>
-          <a:prstGeom prst="rect">
-            <a:avLst/>
-          </a:prstGeom>
-        </p:spPr>
-        <p:style>
-          <a:lnRef idx="2">
-            <a:schemeClr val="accent6"/>
-          </a:lnRef>
-          <a:fillRef idx="1">
-            <a:schemeClr val="lt1"/>
-          </a:fillRef>
-          <a:effectRef idx="0">
-            <a:schemeClr val="accent6"/>
-          </a:effectRef>
-          <a:fontRef idx="minor">
-            <a:schemeClr val="dk1"/>
-          </a:fontRef>
-        </p:style>
-        <p:txBody>
-          <a:bodyPr rtlCol="0" anchor="ctr"/>
-          <a:lstStyle/>
-          <a:p>
-            <a:r>
-              <a:rPr lang="en-US" u="sng" dirty="0"/>
-              <a:t>A Function Execution Context: Creation_</a:t>
-            </a:r>
-            <a:r>
-              <a:rPr lang="en-US" u="sng" dirty="0">
-                <a:solidFill>
-                  <a:srgbClr val="FF0000"/>
-                </a:solidFill>
-              </a:rPr>
-              <a:t>-&gt; Execution</a:t>
-            </a:r>
-            <a:r>
-              <a:rPr lang="en-US" u="sng" dirty="0"/>
-              <a:t> </a:t>
-            </a:r>
-            <a:endParaRPr lang="en-US" u="sng" dirty="0">
-              <a:solidFill>
-                <a:srgbClr val="FF0000"/>
-              </a:solidFill>
-            </a:endParaRPr>
-          </a:p>
-          <a:p>
-            <a:r>
-              <a:rPr lang="en-US" dirty="0"/>
-              <a:t>Lexical Environment{</a:t>
-            </a:r>
-          </a:p>
-          <a:p>
-            <a:r>
-              <a:rPr lang="en-US" dirty="0"/>
-              <a:t>	outer: B Function</a:t>
-            </a:r>
-          </a:p>
-          <a:p>
-            <a:r>
-              <a:rPr lang="en-US" dirty="0"/>
-              <a:t>}</a:t>
-            </a:r>
-          </a:p>
-        </p:txBody>
-      </p:sp>
-      <p:sp>
-        <p:nvSpPr>
-          <p:cNvPr id="6" name="Rectangle 5">
-            <a:extLst>
-              <a:ext uri="{FF2B5EF4-FFF2-40B4-BE49-F238E27FC236}">
-                <a16:creationId xmlns:a16="http://schemas.microsoft.com/office/drawing/2014/main" id="{7D4C9628-70BE-0082-E0AB-66CF0D1A4CB6}"/>
-              </a:ext>
-            </a:extLst>
-          </p:cNvPr>
-          <p:cNvSpPr/>
-          <p:nvPr/>
-        </p:nvSpPr>
-        <p:spPr>
-          <a:xfrm>
-            <a:off x="356016" y="4204531"/>
-            <a:ext cx="2882900" cy="1974078"/>
-          </a:xfrm>
-          <a:prstGeom prst="rect">
-            <a:avLst/>
-          </a:prstGeom>
-        </p:spPr>
-        <p:style>
-          <a:lnRef idx="2">
-            <a:schemeClr val="accent6"/>
-          </a:lnRef>
-          <a:fillRef idx="1">
-            <a:schemeClr val="lt1"/>
-          </a:fillRef>
-          <a:effectRef idx="0">
-            <a:schemeClr val="accent6"/>
-          </a:effectRef>
-          <a:fontRef idx="minor">
-            <a:schemeClr val="dk1"/>
-          </a:fontRef>
-        </p:style>
-        <p:txBody>
-          <a:bodyPr rtlCol="0" anchor="t"/>
-          <a:lstStyle/>
-          <a:p>
-            <a:r>
-              <a:rPr lang="en-US" dirty="0"/>
-              <a:t>Console</a:t>
-            </a:r>
-          </a:p>
-          <a:p>
-            <a:r>
-              <a:rPr lang="en-US" dirty="0"/>
-              <a:t>Undefined, 30</a:t>
-            </a:r>
-          </a:p>
-        </p:txBody>
-      </p:sp>
-      <p:sp>
-        <p:nvSpPr>
-          <p:cNvPr id="9" name="Rectangle 8">
-            <a:extLst>
-              <a:ext uri="{FF2B5EF4-FFF2-40B4-BE49-F238E27FC236}">
-                <a16:creationId xmlns:a16="http://schemas.microsoft.com/office/drawing/2014/main" id="{F40D690C-41CA-72D7-79CD-11BA531EB5BB}"/>
-              </a:ext>
-            </a:extLst>
-          </p:cNvPr>
-          <p:cNvSpPr/>
-          <p:nvPr/>
-        </p:nvSpPr>
-        <p:spPr>
-          <a:xfrm>
-            <a:off x="3725968" y="3896883"/>
-            <a:ext cx="5751319" cy="1939895"/>
-          </a:xfrm>
-          <a:prstGeom prst="rect">
-            <a:avLst/>
-          </a:prstGeom>
-        </p:spPr>
-        <p:style>
-          <a:lnRef idx="2">
-            <a:schemeClr val="accent6"/>
-          </a:lnRef>
-          <a:fillRef idx="1">
-            <a:schemeClr val="lt1"/>
-          </a:fillRef>
-          <a:effectRef idx="0">
-            <a:schemeClr val="accent6"/>
-          </a:effectRef>
-          <a:fontRef idx="minor">
-            <a:schemeClr val="dk1"/>
-          </a:fontRef>
-        </p:style>
-        <p:txBody>
-          <a:bodyPr rtlCol="0" anchor="ctr"/>
-          <a:lstStyle/>
-          <a:p>
-            <a:r>
-              <a:rPr lang="en-US" u="sng" dirty="0"/>
-              <a:t>Global Execution Context: Creation </a:t>
-            </a:r>
-            <a:r>
-              <a:rPr lang="en-US" u="sng" dirty="0">
-                <a:solidFill>
-                  <a:srgbClr val="FF0000"/>
-                </a:solidFill>
-              </a:rPr>
-              <a:t>-&gt; Execution</a:t>
-            </a:r>
-          </a:p>
-          <a:p>
-            <a:r>
-              <a:rPr lang="en-US" dirty="0"/>
-              <a:t>Lexical Environment{</a:t>
-            </a:r>
-          </a:p>
-          <a:p>
-            <a:r>
-              <a:rPr lang="en-US" dirty="0"/>
-              <a:t>	b: fun, </a:t>
-            </a:r>
-          </a:p>
-          <a:p>
-            <a:r>
-              <a:rPr lang="en-US" dirty="0"/>
-              <a:t>	y: 40,</a:t>
-            </a:r>
-          </a:p>
-          <a:p>
-            <a:r>
-              <a:rPr lang="en-US" dirty="0"/>
-              <a:t>	x:20, </a:t>
-            </a:r>
-          </a:p>
-          <a:p>
-            <a:r>
-              <a:rPr lang="en-US" dirty="0"/>
-              <a:t>	outer: null</a:t>
-            </a:r>
-          </a:p>
-          <a:p>
-            <a:r>
-              <a:rPr lang="en-US" dirty="0"/>
-              <a:t>}</a:t>
-            </a:r>
-          </a:p>
-        </p:txBody>
-      </p:sp>
-      <p:sp>
-        <p:nvSpPr>
-          <p:cNvPr id="10" name="Rounded Rectangle 9">
-            <a:extLst>
-              <a:ext uri="{FF2B5EF4-FFF2-40B4-BE49-F238E27FC236}">
-                <a16:creationId xmlns:a16="http://schemas.microsoft.com/office/drawing/2014/main" id="{30001AFE-1C7D-6550-F23E-0214EB319DF2}"/>
-              </a:ext>
-            </a:extLst>
-          </p:cNvPr>
-          <p:cNvSpPr/>
-          <p:nvPr/>
-        </p:nvSpPr>
-        <p:spPr>
-          <a:xfrm>
-            <a:off x="9793423" y="4136164"/>
-            <a:ext cx="1777526" cy="1076770"/>
-          </a:xfrm>
-          <a:prstGeom prst="roundRect">
-            <a:avLst/>
-          </a:prstGeom>
-        </p:spPr>
-        <p:style>
-          <a:lnRef idx="2">
-            <a:schemeClr val="accent6"/>
-          </a:lnRef>
-          <a:fillRef idx="1">
-            <a:schemeClr val="lt1"/>
-          </a:fillRef>
-          <a:effectRef idx="0">
-            <a:schemeClr val="accent6"/>
-          </a:effectRef>
-          <a:fontRef idx="minor">
-            <a:schemeClr val="dk1"/>
-          </a:fontRef>
-        </p:style>
-        <p:txBody>
-          <a:bodyPr rtlCol="0" anchor="t"/>
-          <a:lstStyle/>
-          <a:p>
-            <a:r>
-              <a:rPr lang="en-US" sz="1600" u="sng" dirty="0"/>
-              <a:t>Temp Data Zone</a:t>
-            </a:r>
-          </a:p>
-          <a:p>
-            <a:r>
-              <a:rPr lang="en-US" sz="1600" strike="sngStrike" dirty="0"/>
-              <a:t>Const x</a:t>
-            </a:r>
-          </a:p>
-        </p:txBody>
-      </p:sp>
     </p:spTree>
     <p:extLst>
       <p:ext uri="{BB962C8B-B14F-4D97-AF65-F5344CB8AC3E}">
-        <p14:creationId xmlns:p14="http://schemas.microsoft.com/office/powerpoint/2010/main" val="64332884"/>
+        <p14:creationId xmlns:p14="http://schemas.microsoft.com/office/powerpoint/2010/main" val="463762772"/>
       </p:ext>
     </p:extLst>
   </p:cSld>
@@ -4605,8 +4497,8 @@
         </p:nvSpPr>
         <p:spPr>
           <a:xfrm>
-            <a:off x="3725967" y="1905713"/>
-            <a:ext cx="5751319" cy="1909984"/>
+            <a:off x="3725967" y="1570383"/>
+            <a:ext cx="5751319" cy="2245314"/>
           </a:xfrm>
           <a:prstGeom prst="rect">
             <a:avLst/>
@@ -4655,7 +4547,13 @@
           <a:p>
             <a:r>
               <a:rPr lang="en-US" dirty="0"/>
-              <a:t>Lexical Environment{</a:t>
+              <a:t>Lexical Environment{	</a:t>
+            </a:r>
+          </a:p>
+          <a:p>
+            <a:r>
+              <a:rPr lang="en-US" dirty="0"/>
+              <a:t>	argument:{length:0},</a:t>
             </a:r>
           </a:p>
           <a:p>
@@ -4667,19 +4565,7 @@
           <a:p>
             <a:r>
               <a:rPr lang="en-US" dirty="0"/>
-              <a:t>	x: </a:t>
-            </a:r>
-            <a:r>
-              <a:rPr lang="en-US" dirty="0">
-                <a:solidFill>
-                  <a:srgbClr val="FF0000"/>
-                </a:solidFill>
-              </a:rPr>
-              <a:t>10</a:t>
-            </a:r>
-            <a:r>
-              <a:rPr lang="en-US" dirty="0"/>
-              <a:t>,</a:t>
+              <a:t>	x: undefined,</a:t>
             </a:r>
           </a:p>
           <a:p>
@@ -4756,10 +4642,10 @@
       </p:sp>
       <p:sp>
         <p:nvSpPr>
-          <p:cNvPr id="6" name="Rectangle 5">
-            <a:extLst>
-              <a:ext uri="{FF2B5EF4-FFF2-40B4-BE49-F238E27FC236}">
-                <a16:creationId xmlns:a16="http://schemas.microsoft.com/office/drawing/2014/main" id="{7D4C9628-70BE-0082-E0AB-66CF0D1A4CB6}"/>
+          <p:cNvPr id="5" name="Rectangle 4">
+            <a:extLst>
+              <a:ext uri="{FF2B5EF4-FFF2-40B4-BE49-F238E27FC236}">
+                <a16:creationId xmlns:a16="http://schemas.microsoft.com/office/drawing/2014/main" id="{10B4D83D-50A3-9A71-D18A-111EA369753A}"/>
               </a:ext>
             </a:extLst>
           </p:cNvPr>
@@ -4768,8 +4654,8 @@
         </p:nvSpPr>
         <p:spPr>
           <a:xfrm>
-            <a:off x="356016" y="4204531"/>
-            <a:ext cx="2882900" cy="1974078"/>
+            <a:off x="3725966" y="196273"/>
+            <a:ext cx="5751319" cy="1256231"/>
           </a:xfrm>
           <a:prstGeom prst="rect">
             <a:avLst/>
@@ -4790,64 +4676,12 @@
           </a:fontRef>
         </p:style>
         <p:txBody>
-          <a:bodyPr rtlCol="0" anchor="t"/>
-          <a:lstStyle/>
-          <a:p>
-            <a:r>
-              <a:rPr lang="en-US" dirty="0"/>
-              <a:t>Console</a:t>
-            </a:r>
-          </a:p>
-          <a:p>
-            <a:r>
-              <a:rPr lang="en-US" dirty="0"/>
-              <a:t>Undefined, 30</a:t>
-            </a:r>
-          </a:p>
-        </p:txBody>
-      </p:sp>
-      <p:sp>
-        <p:nvSpPr>
-          <p:cNvPr id="9" name="Rectangle 8">
-            <a:extLst>
-              <a:ext uri="{FF2B5EF4-FFF2-40B4-BE49-F238E27FC236}">
-                <a16:creationId xmlns:a16="http://schemas.microsoft.com/office/drawing/2014/main" id="{897F14E3-2275-993A-6C3E-7DC733AD3622}"/>
-              </a:ext>
-            </a:extLst>
-          </p:cNvPr>
-          <p:cNvSpPr/>
-          <p:nvPr/>
-        </p:nvSpPr>
-        <p:spPr>
-          <a:xfrm>
-            <a:off x="3725968" y="3896883"/>
-            <a:ext cx="5751319" cy="1939895"/>
-          </a:xfrm>
-          <a:prstGeom prst="rect">
-            <a:avLst/>
-          </a:prstGeom>
-        </p:spPr>
-        <p:style>
-          <a:lnRef idx="2">
-            <a:schemeClr val="accent6"/>
-          </a:lnRef>
-          <a:fillRef idx="1">
-            <a:schemeClr val="lt1"/>
-          </a:fillRef>
-          <a:effectRef idx="0">
-            <a:schemeClr val="accent6"/>
-          </a:effectRef>
-          <a:fontRef idx="minor">
-            <a:schemeClr val="dk1"/>
-          </a:fontRef>
-        </p:style>
-        <p:txBody>
           <a:bodyPr rtlCol="0" anchor="ctr"/>
           <a:lstStyle/>
           <a:p>
             <a:r>
               <a:rPr lang="en-US" u="sng" dirty="0"/>
-              <a:t>Global Execution Context: Creation </a:t>
+              <a:t>A Function Execution Context: Creation_</a:t>
             </a:r>
             <a:r>
               <a:rPr lang="en-US" u="sng" dirty="0">
@@ -4857,6 +4691,15 @@
               </a:rPr>
               <a:t>-&gt; Execution</a:t>
             </a:r>
+            <a:r>
+              <a:rPr lang="en-US" u="sng" dirty="0"/>
+              <a:t> </a:t>
+            </a:r>
+            <a:endParaRPr lang="en-US" u="sng" dirty="0">
+              <a:solidFill>
+                <a:srgbClr val="FF0000"/>
+              </a:solidFill>
+            </a:endParaRPr>
           </a:p>
           <a:p>
             <a:r>
@@ -4867,25 +4710,7 @@
           <a:p>
             <a:r>
               <a:rPr lang="en-US" dirty="0"/>
-              <a:t>	b: fun, </a:t>
-            </a:r>
-          </a:p>
-          <a:p>
-            <a:r>
-              <a:rPr lang="en-US" dirty="0"/>
-              <a:t>	y: 40,</a:t>
-            </a:r>
-          </a:p>
-          <a:p>
-            <a:r>
-              <a:rPr lang="en-US" dirty="0"/>
-              <a:t>	x:20, </a:t>
-            </a:r>
-          </a:p>
-          <a:p>
-            <a:r>
-              <a:rPr lang="en-US" dirty="0"/>
-              <a:t>	outer: null</a:t>
+              <a:t>	outer: B Function</a:t>
             </a:r>
           </a:p>
           <a:p>
@@ -4898,10 +4723,10 @@
       </p:sp>
       <p:sp>
         <p:nvSpPr>
-          <p:cNvPr id="10" name="Rounded Rectangle 9">
-            <a:extLst>
-              <a:ext uri="{FF2B5EF4-FFF2-40B4-BE49-F238E27FC236}">
-                <a16:creationId xmlns:a16="http://schemas.microsoft.com/office/drawing/2014/main" id="{298FD3F5-757B-C42F-6660-C12C7A7D3FDC}"/>
+          <p:cNvPr id="6" name="Rectangle 5">
+            <a:extLst>
+              <a:ext uri="{FF2B5EF4-FFF2-40B4-BE49-F238E27FC236}">
+                <a16:creationId xmlns:a16="http://schemas.microsoft.com/office/drawing/2014/main" id="{7D4C9628-70BE-0082-E0AB-66CF0D1A4CB6}"/>
               </a:ext>
             </a:extLst>
           </p:cNvPr>
@@ -4910,10 +4735,10 @@
         </p:nvSpPr>
         <p:spPr>
           <a:xfrm>
-            <a:off x="9793423" y="4136164"/>
-            <a:ext cx="1777526" cy="1076770"/>
-          </a:xfrm>
-          <a:prstGeom prst="roundRect">
+            <a:off x="356016" y="4204531"/>
+            <a:ext cx="2882900" cy="1974078"/>
+          </a:xfrm>
+          <a:prstGeom prst="rect">
             <a:avLst/>
           </a:prstGeom>
         </p:spPr>
@@ -4936,6 +4761,148 @@
           <a:lstStyle/>
           <a:p>
             <a:r>
+              <a:rPr lang="en-US" dirty="0"/>
+              <a:t>Console</a:t>
+            </a:r>
+          </a:p>
+          <a:p>
+            <a:r>
+              <a:rPr lang="en-US" dirty="0"/>
+              <a:t>Undefined, 30</a:t>
+            </a:r>
+          </a:p>
+        </p:txBody>
+      </p:sp>
+      <p:sp>
+        <p:nvSpPr>
+          <p:cNvPr id="9" name="Rectangle 8">
+            <a:extLst>
+              <a:ext uri="{FF2B5EF4-FFF2-40B4-BE49-F238E27FC236}">
+                <a16:creationId xmlns:a16="http://schemas.microsoft.com/office/drawing/2014/main" id="{F40D690C-41CA-72D7-79CD-11BA531EB5BB}"/>
+              </a:ext>
+            </a:extLst>
+          </p:cNvPr>
+          <p:cNvSpPr/>
+          <p:nvPr/>
+        </p:nvSpPr>
+        <p:spPr>
+          <a:xfrm>
+            <a:off x="3725968" y="3896883"/>
+            <a:ext cx="5751319" cy="1939895"/>
+          </a:xfrm>
+          <a:prstGeom prst="rect">
+            <a:avLst/>
+          </a:prstGeom>
+        </p:spPr>
+        <p:style>
+          <a:lnRef idx="2">
+            <a:schemeClr val="accent6"/>
+          </a:lnRef>
+          <a:fillRef idx="1">
+            <a:schemeClr val="lt1"/>
+          </a:fillRef>
+          <a:effectRef idx="0">
+            <a:schemeClr val="accent6"/>
+          </a:effectRef>
+          <a:fontRef idx="minor">
+            <a:schemeClr val="dk1"/>
+          </a:fontRef>
+        </p:style>
+        <p:txBody>
+          <a:bodyPr rtlCol="0" anchor="ctr"/>
+          <a:lstStyle/>
+          <a:p>
+            <a:r>
+              <a:rPr lang="en-US" u="sng" dirty="0"/>
+              <a:t>Global Execution Context: Creation </a:t>
+            </a:r>
+            <a:r>
+              <a:rPr lang="en-US" u="sng" dirty="0">
+                <a:solidFill>
+                  <a:srgbClr val="FF0000"/>
+                </a:solidFill>
+              </a:rPr>
+              <a:t>-&gt; Execution</a:t>
+            </a:r>
+          </a:p>
+          <a:p>
+            <a:r>
+              <a:rPr lang="en-US" dirty="0"/>
+              <a:t>Lexical Environment{</a:t>
+            </a:r>
+          </a:p>
+          <a:p>
+            <a:r>
+              <a:rPr lang="en-US" dirty="0"/>
+              <a:t>	b: fun, </a:t>
+            </a:r>
+          </a:p>
+          <a:p>
+            <a:r>
+              <a:rPr lang="en-US" dirty="0"/>
+              <a:t>	y: 40,</a:t>
+            </a:r>
+          </a:p>
+          <a:p>
+            <a:r>
+              <a:rPr lang="en-US" dirty="0"/>
+              <a:t>	x:20, </a:t>
+            </a:r>
+          </a:p>
+          <a:p>
+            <a:r>
+              <a:rPr lang="en-US" dirty="0"/>
+              <a:t>	outer: null</a:t>
+            </a:r>
+          </a:p>
+          <a:p>
+            <a:r>
+              <a:rPr lang="en-US" dirty="0"/>
+              <a:t>}</a:t>
+            </a:r>
+          </a:p>
+        </p:txBody>
+      </p:sp>
+      <p:sp>
+        <p:nvSpPr>
+          <p:cNvPr id="10" name="Rounded Rectangle 9">
+            <a:extLst>
+              <a:ext uri="{FF2B5EF4-FFF2-40B4-BE49-F238E27FC236}">
+                <a16:creationId xmlns:a16="http://schemas.microsoft.com/office/drawing/2014/main" id="{30001AFE-1C7D-6550-F23E-0214EB319DF2}"/>
+              </a:ext>
+            </a:extLst>
+          </p:cNvPr>
+          <p:cNvSpPr/>
+          <p:nvPr/>
+        </p:nvSpPr>
+        <p:spPr>
+          <a:xfrm>
+            <a:off x="9793423" y="4136164"/>
+            <a:ext cx="1777526" cy="1076770"/>
+          </a:xfrm>
+          <a:prstGeom prst="roundRect">
+            <a:avLst/>
+          </a:prstGeom>
+        </p:spPr>
+        <p:style>
+          <a:lnRef idx="2">
+            <a:schemeClr val="accent6"/>
+          </a:lnRef>
+          <a:fillRef idx="1">
+            <a:schemeClr val="lt1"/>
+          </a:fillRef>
+          <a:effectRef idx="0">
+            <a:schemeClr val="accent6"/>
+          </a:effectRef>
+          <a:fontRef idx="minor">
+            <a:schemeClr val="dk1"/>
+          </a:fontRef>
+        </p:style>
+        <p:txBody>
+          <a:bodyPr rtlCol="0" anchor="t"/>
+          <a:lstStyle/>
+          <a:p>
+            <a:r>
               <a:rPr lang="en-US" sz="1600" u="sng" dirty="0"/>
               <a:t>Temp Data Zone</a:t>
             </a:r>
@@ -4951,7 +4918,7 @@
     </p:spTree>
     <p:extLst>
       <p:ext uri="{BB962C8B-B14F-4D97-AF65-F5344CB8AC3E}">
-        <p14:creationId xmlns:p14="http://schemas.microsoft.com/office/powerpoint/2010/main" val="4122331227"/>
+        <p14:creationId xmlns:p14="http://schemas.microsoft.com/office/powerpoint/2010/main" val="64332884"/>
       </p:ext>
     </p:extLst>
   </p:cSld>
@@ -5030,8 +4997,8 @@
         </p:nvSpPr>
         <p:spPr>
           <a:xfrm>
-            <a:off x="3725967" y="1905713"/>
-            <a:ext cx="5751319" cy="1909984"/>
+            <a:off x="3725967" y="1600200"/>
+            <a:ext cx="5751319" cy="2215497"/>
           </a:xfrm>
           <a:prstGeom prst="rect">
             <a:avLst/>
@@ -5080,7 +5047,13 @@
           <a:p>
             <a:r>
               <a:rPr lang="en-US" dirty="0"/>
-              <a:t>Lexical Environment{</a:t>
+              <a:t>Lexical Environment{	</a:t>
+            </a:r>
+          </a:p>
+          <a:p>
+            <a:r>
+              <a:rPr lang="en-US" dirty="0"/>
+              <a:t>	argument:{length:0},</a:t>
             </a:r>
           </a:p>
           <a:p>
@@ -5092,7 +5065,19 @@
           <a:p>
             <a:r>
               <a:rPr lang="en-US" dirty="0"/>
-              <a:t>	x: 10,</a:t>
+              <a:t>	x: </a:t>
+            </a:r>
+            <a:r>
+              <a:rPr lang="en-US" dirty="0">
+                <a:solidFill>
+                  <a:srgbClr val="FF0000"/>
+                </a:solidFill>
+              </a:rPr>
+              <a:t>10</a:t>
+            </a:r>
+            <a:r>
+              <a:rPr lang="en-US" dirty="0"/>
+              <a:t>,</a:t>
             </a:r>
           </a:p>
           <a:p>
@@ -5215,12 +5200,6 @@
             <a:r>
               <a:rPr lang="en-US" dirty="0"/>
               <a:t>Undefined, 30</a:t>
-            </a:r>
-          </a:p>
-          <a:p>
-            <a:r>
-              <a:rPr lang="en-US" dirty="0"/>
-              <a:t>10,30</a:t>
             </a:r>
           </a:p>
         </p:txBody>
@@ -5370,7 +5349,7 @@
     </p:spTree>
     <p:extLst>
       <p:ext uri="{BB962C8B-B14F-4D97-AF65-F5344CB8AC3E}">
-        <p14:creationId xmlns:p14="http://schemas.microsoft.com/office/powerpoint/2010/main" val="771097893"/>
+        <p14:creationId xmlns:p14="http://schemas.microsoft.com/office/powerpoint/2010/main" val="4122331227"/>
       </p:ext>
     </p:extLst>
   </p:cSld>
@@ -5437,6 +5416,431 @@
       </p:pic>
       <p:sp>
         <p:nvSpPr>
+          <p:cNvPr id="2" name="Rectangle 1">
+            <a:extLst>
+              <a:ext uri="{FF2B5EF4-FFF2-40B4-BE49-F238E27FC236}">
+                <a16:creationId xmlns:a16="http://schemas.microsoft.com/office/drawing/2014/main" id="{42EAE9DC-5CED-47D2-B569-043222F811C4}"/>
+              </a:ext>
+            </a:extLst>
+          </p:cNvPr>
+          <p:cNvSpPr/>
+          <p:nvPr/>
+        </p:nvSpPr>
+        <p:spPr>
+          <a:xfrm>
+            <a:off x="3725967" y="1649896"/>
+            <a:ext cx="5751319" cy="2165801"/>
+          </a:xfrm>
+          <a:prstGeom prst="rect">
+            <a:avLst/>
+          </a:prstGeom>
+        </p:spPr>
+        <p:style>
+          <a:lnRef idx="2">
+            <a:schemeClr val="accent6"/>
+          </a:lnRef>
+          <a:fillRef idx="1">
+            <a:schemeClr val="lt1"/>
+          </a:fillRef>
+          <a:effectRef idx="0">
+            <a:schemeClr val="accent6"/>
+          </a:effectRef>
+          <a:fontRef idx="minor">
+            <a:schemeClr val="dk1"/>
+          </a:fontRef>
+        </p:style>
+        <p:txBody>
+          <a:bodyPr rtlCol="0" anchor="ctr"/>
+          <a:lstStyle/>
+          <a:p>
+            <a:r>
+              <a:rPr lang="en-US" u="sng" dirty="0"/>
+              <a:t>B Function Execution Context: Creation </a:t>
+            </a:r>
+            <a:r>
+              <a:rPr lang="en-US" u="sng" dirty="0">
+                <a:solidFill>
+                  <a:srgbClr val="FF0000"/>
+                </a:solidFill>
+              </a:rPr>
+              <a:t>-&gt; Execution</a:t>
+            </a:r>
+            <a:r>
+              <a:rPr lang="en-US" u="sng" dirty="0"/>
+              <a:t> </a:t>
+            </a:r>
+            <a:endParaRPr lang="en-US" u="sng" dirty="0">
+              <a:solidFill>
+                <a:srgbClr val="FF0000"/>
+              </a:solidFill>
+            </a:endParaRPr>
+          </a:p>
+          <a:p>
+            <a:r>
+              <a:rPr lang="en-US" dirty="0"/>
+              <a:t>Lexical Environment{</a:t>
+            </a:r>
+          </a:p>
+          <a:p>
+            <a:r>
+              <a:rPr lang="en-US" dirty="0"/>
+              <a:t>	argument:{length:0},</a:t>
+            </a:r>
+          </a:p>
+          <a:p>
+            <a:r>
+              <a:rPr lang="en-US" dirty="0"/>
+              <a:t>	a: fun,</a:t>
+            </a:r>
+          </a:p>
+          <a:p>
+            <a:r>
+              <a:rPr lang="en-US" dirty="0"/>
+              <a:t>	x: 10,</a:t>
+            </a:r>
+          </a:p>
+          <a:p>
+            <a:r>
+              <a:rPr lang="en-US" dirty="0"/>
+              <a:t>	y: 30,</a:t>
+            </a:r>
+          </a:p>
+          <a:p>
+            <a:r>
+              <a:rPr lang="en-US" dirty="0"/>
+              <a:t>	outer: Global</a:t>
+            </a:r>
+          </a:p>
+          <a:p>
+            <a:r>
+              <a:rPr lang="en-US" dirty="0"/>
+              <a:t>}</a:t>
+            </a:r>
+          </a:p>
+        </p:txBody>
+      </p:sp>
+      <p:sp>
+        <p:nvSpPr>
+          <p:cNvPr id="3" name="Rounded Rectangle 2">
+            <a:extLst>
+              <a:ext uri="{FF2B5EF4-FFF2-40B4-BE49-F238E27FC236}">
+                <a16:creationId xmlns:a16="http://schemas.microsoft.com/office/drawing/2014/main" id="{8491966F-2F10-DA43-D51C-0138F625C089}"/>
+              </a:ext>
+            </a:extLst>
+          </p:cNvPr>
+          <p:cNvSpPr/>
+          <p:nvPr/>
+        </p:nvSpPr>
+        <p:spPr>
+          <a:xfrm>
+            <a:off x="9723632" y="2106537"/>
+            <a:ext cx="1777526" cy="1076770"/>
+          </a:xfrm>
+          <a:prstGeom prst="roundRect">
+            <a:avLst/>
+          </a:prstGeom>
+        </p:spPr>
+        <p:style>
+          <a:lnRef idx="2">
+            <a:schemeClr val="accent6"/>
+          </a:lnRef>
+          <a:fillRef idx="1">
+            <a:schemeClr val="lt1"/>
+          </a:fillRef>
+          <a:effectRef idx="0">
+            <a:schemeClr val="accent6"/>
+          </a:effectRef>
+          <a:fontRef idx="minor">
+            <a:schemeClr val="dk1"/>
+          </a:fontRef>
+        </p:style>
+        <p:txBody>
+          <a:bodyPr rtlCol="0" anchor="t"/>
+          <a:lstStyle/>
+          <a:p>
+            <a:r>
+              <a:rPr lang="en-US" sz="1600" u="sng" dirty="0"/>
+              <a:t>Temp Data Zone</a:t>
+            </a:r>
+          </a:p>
+          <a:p>
+            <a:r>
+              <a:rPr lang="en-US" sz="1600" strike="sngStrike" dirty="0"/>
+              <a:t>Const y</a:t>
+            </a:r>
+          </a:p>
+        </p:txBody>
+      </p:sp>
+      <p:sp>
+        <p:nvSpPr>
+          <p:cNvPr id="6" name="Rectangle 5">
+            <a:extLst>
+              <a:ext uri="{FF2B5EF4-FFF2-40B4-BE49-F238E27FC236}">
+                <a16:creationId xmlns:a16="http://schemas.microsoft.com/office/drawing/2014/main" id="{7D4C9628-70BE-0082-E0AB-66CF0D1A4CB6}"/>
+              </a:ext>
+            </a:extLst>
+          </p:cNvPr>
+          <p:cNvSpPr/>
+          <p:nvPr/>
+        </p:nvSpPr>
+        <p:spPr>
+          <a:xfrm>
+            <a:off x="356016" y="4204531"/>
+            <a:ext cx="2882900" cy="1974078"/>
+          </a:xfrm>
+          <a:prstGeom prst="rect">
+            <a:avLst/>
+          </a:prstGeom>
+        </p:spPr>
+        <p:style>
+          <a:lnRef idx="2">
+            <a:schemeClr val="accent6"/>
+          </a:lnRef>
+          <a:fillRef idx="1">
+            <a:schemeClr val="lt1"/>
+          </a:fillRef>
+          <a:effectRef idx="0">
+            <a:schemeClr val="accent6"/>
+          </a:effectRef>
+          <a:fontRef idx="minor">
+            <a:schemeClr val="dk1"/>
+          </a:fontRef>
+        </p:style>
+        <p:txBody>
+          <a:bodyPr rtlCol="0" anchor="t"/>
+          <a:lstStyle/>
+          <a:p>
+            <a:r>
+              <a:rPr lang="en-US" dirty="0"/>
+              <a:t>Console</a:t>
+            </a:r>
+          </a:p>
+          <a:p>
+            <a:r>
+              <a:rPr lang="en-US" dirty="0"/>
+              <a:t>Undefined, 30</a:t>
+            </a:r>
+          </a:p>
+          <a:p>
+            <a:r>
+              <a:rPr lang="en-US" dirty="0"/>
+              <a:t>10,30</a:t>
+            </a:r>
+          </a:p>
+        </p:txBody>
+      </p:sp>
+      <p:sp>
+        <p:nvSpPr>
+          <p:cNvPr id="9" name="Rectangle 8">
+            <a:extLst>
+              <a:ext uri="{FF2B5EF4-FFF2-40B4-BE49-F238E27FC236}">
+                <a16:creationId xmlns:a16="http://schemas.microsoft.com/office/drawing/2014/main" id="{897F14E3-2275-993A-6C3E-7DC733AD3622}"/>
+              </a:ext>
+            </a:extLst>
+          </p:cNvPr>
+          <p:cNvSpPr/>
+          <p:nvPr/>
+        </p:nvSpPr>
+        <p:spPr>
+          <a:xfrm>
+            <a:off x="3725968" y="3896883"/>
+            <a:ext cx="5751319" cy="1939895"/>
+          </a:xfrm>
+          <a:prstGeom prst="rect">
+            <a:avLst/>
+          </a:prstGeom>
+        </p:spPr>
+        <p:style>
+          <a:lnRef idx="2">
+            <a:schemeClr val="accent6"/>
+          </a:lnRef>
+          <a:fillRef idx="1">
+            <a:schemeClr val="lt1"/>
+          </a:fillRef>
+          <a:effectRef idx="0">
+            <a:schemeClr val="accent6"/>
+          </a:effectRef>
+          <a:fontRef idx="minor">
+            <a:schemeClr val="dk1"/>
+          </a:fontRef>
+        </p:style>
+        <p:txBody>
+          <a:bodyPr rtlCol="0" anchor="ctr"/>
+          <a:lstStyle/>
+          <a:p>
+            <a:r>
+              <a:rPr lang="en-US" u="sng" dirty="0"/>
+              <a:t>Global Execution Context: Creation </a:t>
+            </a:r>
+            <a:r>
+              <a:rPr lang="en-US" u="sng" dirty="0">
+                <a:solidFill>
+                  <a:srgbClr val="FF0000"/>
+                </a:solidFill>
+              </a:rPr>
+              <a:t>-&gt; Execution</a:t>
+            </a:r>
+          </a:p>
+          <a:p>
+            <a:r>
+              <a:rPr lang="en-US" dirty="0"/>
+              <a:t>Lexical Environment{</a:t>
+            </a:r>
+          </a:p>
+          <a:p>
+            <a:r>
+              <a:rPr lang="en-US" dirty="0"/>
+              <a:t>	b: fun, </a:t>
+            </a:r>
+          </a:p>
+          <a:p>
+            <a:r>
+              <a:rPr lang="en-US" dirty="0"/>
+              <a:t>	y: 40,</a:t>
+            </a:r>
+          </a:p>
+          <a:p>
+            <a:r>
+              <a:rPr lang="en-US" dirty="0"/>
+              <a:t>	x:20, </a:t>
+            </a:r>
+          </a:p>
+          <a:p>
+            <a:r>
+              <a:rPr lang="en-US" dirty="0"/>
+              <a:t>	outer: null</a:t>
+            </a:r>
+          </a:p>
+          <a:p>
+            <a:r>
+              <a:rPr lang="en-US" dirty="0"/>
+              <a:t>}</a:t>
+            </a:r>
+          </a:p>
+        </p:txBody>
+      </p:sp>
+      <p:sp>
+        <p:nvSpPr>
+          <p:cNvPr id="10" name="Rounded Rectangle 9">
+            <a:extLst>
+              <a:ext uri="{FF2B5EF4-FFF2-40B4-BE49-F238E27FC236}">
+                <a16:creationId xmlns:a16="http://schemas.microsoft.com/office/drawing/2014/main" id="{298FD3F5-757B-C42F-6660-C12C7A7D3FDC}"/>
+              </a:ext>
+            </a:extLst>
+          </p:cNvPr>
+          <p:cNvSpPr/>
+          <p:nvPr/>
+        </p:nvSpPr>
+        <p:spPr>
+          <a:xfrm>
+            <a:off x="9793423" y="4136164"/>
+            <a:ext cx="1777526" cy="1076770"/>
+          </a:xfrm>
+          <a:prstGeom prst="roundRect">
+            <a:avLst/>
+          </a:prstGeom>
+        </p:spPr>
+        <p:style>
+          <a:lnRef idx="2">
+            <a:schemeClr val="accent6"/>
+          </a:lnRef>
+          <a:fillRef idx="1">
+            <a:schemeClr val="lt1"/>
+          </a:fillRef>
+          <a:effectRef idx="0">
+            <a:schemeClr val="accent6"/>
+          </a:effectRef>
+          <a:fontRef idx="minor">
+            <a:schemeClr val="dk1"/>
+          </a:fontRef>
+        </p:style>
+        <p:txBody>
+          <a:bodyPr rtlCol="0" anchor="t"/>
+          <a:lstStyle/>
+          <a:p>
+            <a:r>
+              <a:rPr lang="en-US" sz="1600" u="sng" dirty="0"/>
+              <a:t>Temp Data Zone</a:t>
+            </a:r>
+          </a:p>
+          <a:p>
+            <a:r>
+              <a:rPr lang="en-US" sz="1600" strike="sngStrike" dirty="0"/>
+              <a:t>Const x</a:t>
+            </a:r>
+          </a:p>
+        </p:txBody>
+      </p:sp>
+    </p:spTree>
+    <p:extLst>
+      <p:ext uri="{BB962C8B-B14F-4D97-AF65-F5344CB8AC3E}">
+        <p14:creationId xmlns:p14="http://schemas.microsoft.com/office/powerpoint/2010/main" val="771097893"/>
+      </p:ext>
+    </p:extLst>
+  </p:cSld>
+  <p:clrMapOvr>
+    <a:masterClrMapping/>
+  </p:clrMapOvr>
+  <mc:AlternateContent xmlns:mc="http://schemas.openxmlformats.org/markup-compatibility/2006" xmlns:p14="http://schemas.microsoft.com/office/powerpoint/2010/main">
+    <mc:Choice Requires="p14">
+      <p:transition spd="slow" p14:dur="2000" advClick="0" advTm="2000"/>
+    </mc:Choice>
+    <mc:Fallback xmlns="">
+      <p:transition spd="slow" advClick="0" advTm="2000"/>
+    </mc:Fallback>
+  </mc:AlternateContent>
+</p:sld>
+</file>
+
+<file path=ppt/slides/slide15.xml><?xml version="1.0" encoding="utf-8"?>
+<p:sld xmlns:a="http://schemas.openxmlformats.org/drawingml/2006/main" xmlns:r="http://schemas.openxmlformats.org/officeDocument/2006/relationships" xmlns:p="http://schemas.openxmlformats.org/presentationml/2006/main">
+  <p:cSld>
+    <p:spTree>
+      <p:nvGrpSpPr>
+        <p:cNvPr id="1" name=""/>
+        <p:cNvGrpSpPr/>
+        <p:nvPr/>
+      </p:nvGrpSpPr>
+      <p:grpSpPr>
+        <a:xfrm>
+          <a:off x="0" y="0"/>
+          <a:ext cx="0" cy="0"/>
+          <a:chOff x="0" y="0"/>
+          <a:chExt cx="0" cy="0"/>
+        </a:xfrm>
+      </p:grpSpPr>
+      <p:pic>
+        <p:nvPicPr>
+          <p:cNvPr id="4" name="Picture 3">
+            <a:extLst>
+              <a:ext uri="{FF2B5EF4-FFF2-40B4-BE49-F238E27FC236}">
+                <a16:creationId xmlns:a16="http://schemas.microsoft.com/office/drawing/2014/main" id="{7973C21C-6F21-D262-6596-E415A0B19257}"/>
+              </a:ext>
+            </a:extLst>
+          </p:cNvPr>
+          <p:cNvPicPr>
+            <a:picLocks noChangeAspect="1"/>
+          </p:cNvPicPr>
+          <p:nvPr/>
+        </p:nvPicPr>
+        <p:blipFill>
+          <a:blip r:embed="rId2"/>
+          <a:stretch>
+            <a:fillRect/>
+          </a:stretch>
+        </p:blipFill>
+        <p:spPr>
+          <a:xfrm>
+            <a:off x="356016" y="564021"/>
+            <a:ext cx="2882900" cy="3492500"/>
+          </a:xfrm>
+          <a:prstGeom prst="rect">
+            <a:avLst/>
+          </a:prstGeom>
+        </p:spPr>
+      </p:pic>
+      <p:sp>
+        <p:nvSpPr>
           <p:cNvPr id="6" name="Rectangle 5">
             <a:extLst>
               <a:ext uri="{FF2B5EF4-FFF2-40B4-BE49-F238E27FC236}">
@@ -5656,7 +6060,7 @@
 </p:sld>
 </file>
 
-<file path=ppt/slides/slide15.xml><?xml version="1.0" encoding="utf-8"?>
+<file path=ppt/slides/slide16.xml><?xml version="1.0" encoding="utf-8"?>
 <p:sld xmlns:a="http://schemas.openxmlformats.org/drawingml/2006/main" xmlns:r="http://schemas.openxmlformats.org/officeDocument/2006/relationships" xmlns:p="http://schemas.openxmlformats.org/presentationml/2006/main">
   <p:cSld>
     <p:spTree>
@@ -6905,6 +7309,12 @@
           <a:p>
             <a:r>
               <a:rPr lang="en-US" dirty="0"/>
+              <a:t>	argument:{length:0},</a:t>
+            </a:r>
+          </a:p>
+          <a:p>
+            <a:r>
+              <a:rPr lang="en-US" dirty="0"/>
               <a:t>	outer: Global</a:t>
             </a:r>
           </a:p>
@@ -6958,12 +7368,6 @@
             <a:r>
               <a:rPr lang="en-US" sz="1600" u="sng" dirty="0"/>
               <a:t>Temp Data Zone</a:t>
-            </a:r>
-          </a:p>
-          <a:p>
-            <a:r>
-              <a:rPr lang="en-US" sz="1600" dirty="0"/>
-              <a:t>Const y</a:t>
             </a:r>
           </a:p>
         </p:txBody>
@@ -7260,7 +7664,7 @@
           <a:p>
             <a:r>
               <a:rPr lang="en-US" dirty="0"/>
-              <a:t>	a: fun, </a:t>
+              <a:t>	argument:{length:0},</a:t>
             </a:r>
           </a:p>
           <a:p>
@@ -7332,7 +7736,7 @@
     </p:spTree>
     <p:extLst>
       <p:ext uri="{BB962C8B-B14F-4D97-AF65-F5344CB8AC3E}">
-        <p14:creationId xmlns:p14="http://schemas.microsoft.com/office/powerpoint/2010/main" val="2925815056"/>
+        <p14:creationId xmlns:p14="http://schemas.microsoft.com/office/powerpoint/2010/main" val="1059380039"/>
       </p:ext>
     </p:extLst>
   </p:cSld>
@@ -7621,13 +8025,13 @@
           <a:p>
             <a:r>
               <a:rPr lang="en-US" dirty="0"/>
-              <a:t>	a: fun,</a:t>
-            </a:r>
-          </a:p>
-          <a:p>
-            <a:r>
-              <a:rPr lang="en-US" dirty="0"/>
-              <a:t>	x: undefined,</a:t>
+              <a:t>	argument:{length:0},</a:t>
+            </a:r>
+          </a:p>
+          <a:p>
+            <a:r>
+              <a:rPr lang="en-US" dirty="0"/>
+              <a:t>	a: fun, </a:t>
             </a:r>
           </a:p>
           <a:p>
@@ -7699,7 +8103,7 @@
     </p:spTree>
     <p:extLst>
       <p:ext uri="{BB962C8B-B14F-4D97-AF65-F5344CB8AC3E}">
-        <p14:creationId xmlns:p14="http://schemas.microsoft.com/office/powerpoint/2010/main" val="575284956"/>
+        <p14:creationId xmlns:p14="http://schemas.microsoft.com/office/powerpoint/2010/main" val="2925815056"/>
       </p:ext>
     </p:extLst>
   </p:cSld>
@@ -7734,317 +8138,12 @@
           <a:chExt cx="0" cy="0"/>
         </a:xfrm>
       </p:grpSpPr>
-      <p:sp>
-        <p:nvSpPr>
-          <p:cNvPr id="2" name="Rectangle 1">
-            <a:extLst>
-              <a:ext uri="{FF2B5EF4-FFF2-40B4-BE49-F238E27FC236}">
-                <a16:creationId xmlns:a16="http://schemas.microsoft.com/office/drawing/2014/main" id="{42EAE9DC-5CED-47D2-B569-043222F811C4}"/>
-              </a:ext>
-            </a:extLst>
-          </p:cNvPr>
-          <p:cNvSpPr/>
-          <p:nvPr/>
-        </p:nvSpPr>
-        <p:spPr>
-          <a:xfrm>
-            <a:off x="3725967" y="1905713"/>
-            <a:ext cx="5751319" cy="1909984"/>
-          </a:xfrm>
-          <a:prstGeom prst="rect">
-            <a:avLst/>
-          </a:prstGeom>
-        </p:spPr>
-        <p:style>
-          <a:lnRef idx="2">
-            <a:schemeClr val="accent6"/>
-          </a:lnRef>
-          <a:fillRef idx="1">
-            <a:schemeClr val="lt1"/>
-          </a:fillRef>
-          <a:effectRef idx="0">
-            <a:schemeClr val="accent6"/>
-          </a:effectRef>
-          <a:fontRef idx="minor">
-            <a:schemeClr val="dk1"/>
-          </a:fontRef>
-        </p:style>
-        <p:txBody>
-          <a:bodyPr rtlCol="0" anchor="ctr"/>
-          <a:lstStyle/>
-          <a:p>
-            <a:r>
-              <a:rPr lang="en-US" u="sng" dirty="0"/>
-              <a:t>B Function Execution Context: Creation </a:t>
-            </a:r>
-            <a:r>
-              <a:rPr lang="en-US" u="sng" dirty="0">
-                <a:solidFill>
-                  <a:srgbClr val="FF0000"/>
-                </a:solidFill>
-              </a:rPr>
-              <a:t>-&gt; Execution</a:t>
-            </a:r>
-            <a:r>
-              <a:rPr lang="en-US" u="sng" dirty="0"/>
-              <a:t> </a:t>
-            </a:r>
-            <a:endParaRPr lang="en-US" u="sng" dirty="0">
-              <a:solidFill>
-                <a:srgbClr val="FF0000"/>
-              </a:solidFill>
-            </a:endParaRPr>
-          </a:p>
-          <a:p>
-            <a:r>
-              <a:rPr lang="en-US" dirty="0"/>
-              <a:t>Lexical Environment{</a:t>
-            </a:r>
-          </a:p>
-          <a:p>
-            <a:r>
-              <a:rPr lang="en-US" dirty="0"/>
-              <a:t>	a: fun,</a:t>
-            </a:r>
-          </a:p>
-          <a:p>
-            <a:r>
-              <a:rPr lang="en-US" dirty="0"/>
-              <a:t>	x: undefined,</a:t>
-            </a:r>
-          </a:p>
-          <a:p>
-            <a:r>
-              <a:rPr lang="en-US" dirty="0"/>
-              <a:t>	y: </a:t>
-            </a:r>
-            <a:r>
-              <a:rPr lang="en-US" dirty="0">
-                <a:solidFill>
-                  <a:srgbClr val="FF0000"/>
-                </a:solidFill>
-              </a:rPr>
-              <a:t>30</a:t>
-            </a:r>
-            <a:r>
-              <a:rPr lang="en-US" dirty="0"/>
-              <a:t>,</a:t>
-            </a:r>
-          </a:p>
-          <a:p>
-            <a:r>
-              <a:rPr lang="en-US" dirty="0"/>
-              <a:t>	outer: Global</a:t>
-            </a:r>
-          </a:p>
-          <a:p>
-            <a:r>
-              <a:rPr lang="en-US" dirty="0"/>
-              <a:t>}</a:t>
-            </a:r>
-          </a:p>
-        </p:txBody>
-      </p:sp>
-      <p:sp>
-        <p:nvSpPr>
-          <p:cNvPr id="3" name="Rounded Rectangle 2">
-            <a:extLst>
-              <a:ext uri="{FF2B5EF4-FFF2-40B4-BE49-F238E27FC236}">
-                <a16:creationId xmlns:a16="http://schemas.microsoft.com/office/drawing/2014/main" id="{8491966F-2F10-DA43-D51C-0138F625C089}"/>
-              </a:ext>
-            </a:extLst>
-          </p:cNvPr>
-          <p:cNvSpPr/>
-          <p:nvPr/>
-        </p:nvSpPr>
-        <p:spPr>
-          <a:xfrm>
-            <a:off x="9723632" y="2106537"/>
-            <a:ext cx="1777526" cy="1076770"/>
-          </a:xfrm>
-          <a:prstGeom prst="roundRect">
-            <a:avLst/>
-          </a:prstGeom>
-        </p:spPr>
-        <p:style>
-          <a:lnRef idx="2">
-            <a:schemeClr val="accent6"/>
-          </a:lnRef>
-          <a:fillRef idx="1">
-            <a:schemeClr val="lt1"/>
-          </a:fillRef>
-          <a:effectRef idx="0">
-            <a:schemeClr val="accent6"/>
-          </a:effectRef>
-          <a:fontRef idx="minor">
-            <a:schemeClr val="dk1"/>
-          </a:fontRef>
-        </p:style>
-        <p:txBody>
-          <a:bodyPr rtlCol="0" anchor="t"/>
-          <a:lstStyle/>
-          <a:p>
-            <a:r>
-              <a:rPr lang="en-US" sz="1600" u="sng" dirty="0"/>
-              <a:t>Temp Data Zone</a:t>
-            </a:r>
-          </a:p>
-          <a:p>
-            <a:r>
-              <a:rPr lang="en-US" sz="1600" strike="sngStrike" dirty="0"/>
-              <a:t>Const y</a:t>
-            </a:r>
-          </a:p>
-        </p:txBody>
-      </p:sp>
-      <p:sp>
-        <p:nvSpPr>
-          <p:cNvPr id="9" name="Rectangle 8">
-            <a:extLst>
-              <a:ext uri="{FF2B5EF4-FFF2-40B4-BE49-F238E27FC236}">
-                <a16:creationId xmlns:a16="http://schemas.microsoft.com/office/drawing/2014/main" id="{D5E2A63C-7FAA-B79A-5C8F-38168CA834C3}"/>
-              </a:ext>
-            </a:extLst>
-          </p:cNvPr>
-          <p:cNvSpPr/>
-          <p:nvPr/>
-        </p:nvSpPr>
-        <p:spPr>
-          <a:xfrm>
-            <a:off x="3725968" y="3896883"/>
-            <a:ext cx="5751319" cy="1939895"/>
-          </a:xfrm>
-          <a:prstGeom prst="rect">
-            <a:avLst/>
-          </a:prstGeom>
-        </p:spPr>
-        <p:style>
-          <a:lnRef idx="2">
-            <a:schemeClr val="accent6"/>
-          </a:lnRef>
-          <a:fillRef idx="1">
-            <a:schemeClr val="lt1"/>
-          </a:fillRef>
-          <a:effectRef idx="0">
-            <a:schemeClr val="accent6"/>
-          </a:effectRef>
-          <a:fontRef idx="minor">
-            <a:schemeClr val="dk1"/>
-          </a:fontRef>
-        </p:style>
-        <p:txBody>
-          <a:bodyPr rtlCol="0" anchor="ctr"/>
-          <a:lstStyle/>
-          <a:p>
-            <a:r>
-              <a:rPr lang="en-US" u="sng" dirty="0"/>
-              <a:t>Global Execution Context: Creation </a:t>
-            </a:r>
-            <a:r>
-              <a:rPr lang="en-US" u="sng" dirty="0">
-                <a:solidFill>
-                  <a:srgbClr val="FF0000"/>
-                </a:solidFill>
-              </a:rPr>
-              <a:t>-&gt; Execution</a:t>
-            </a:r>
-          </a:p>
-          <a:p>
-            <a:r>
-              <a:rPr lang="en-US" dirty="0"/>
-              <a:t>Lexical Environment{</a:t>
-            </a:r>
-          </a:p>
-          <a:p>
-            <a:r>
-              <a:rPr lang="en-US" dirty="0"/>
-              <a:t>	b: fun, </a:t>
-            </a:r>
-          </a:p>
-          <a:p>
-            <a:r>
-              <a:rPr lang="en-US" dirty="0"/>
-              <a:t>	y: 40,</a:t>
-            </a:r>
-          </a:p>
-          <a:p>
-            <a:r>
-              <a:rPr lang="en-US" dirty="0"/>
-              <a:t>	x:20, </a:t>
-            </a:r>
-          </a:p>
-          <a:p>
-            <a:r>
-              <a:rPr lang="en-US" dirty="0"/>
-              <a:t>	outer: null</a:t>
-            </a:r>
-          </a:p>
-          <a:p>
-            <a:r>
-              <a:rPr lang="en-US" dirty="0"/>
-              <a:t>}</a:t>
-            </a:r>
-          </a:p>
-        </p:txBody>
-      </p:sp>
-      <p:sp>
-        <p:nvSpPr>
-          <p:cNvPr id="10" name="Rounded Rectangle 9">
-            <a:extLst>
-              <a:ext uri="{FF2B5EF4-FFF2-40B4-BE49-F238E27FC236}">
-                <a16:creationId xmlns:a16="http://schemas.microsoft.com/office/drawing/2014/main" id="{AFE3EBF5-DAAF-F920-A02C-F878B9FFA555}"/>
-              </a:ext>
-            </a:extLst>
-          </p:cNvPr>
-          <p:cNvSpPr/>
-          <p:nvPr/>
-        </p:nvSpPr>
-        <p:spPr>
-          <a:xfrm>
-            <a:off x="9793423" y="4136164"/>
-            <a:ext cx="1777526" cy="1076770"/>
-          </a:xfrm>
-          <a:prstGeom prst="roundRect">
-            <a:avLst/>
-          </a:prstGeom>
-        </p:spPr>
-        <p:style>
-          <a:lnRef idx="2">
-            <a:schemeClr val="accent6"/>
-          </a:lnRef>
-          <a:fillRef idx="1">
-            <a:schemeClr val="lt1"/>
-          </a:fillRef>
-          <a:effectRef idx="0">
-            <a:schemeClr val="accent6"/>
-          </a:effectRef>
-          <a:fontRef idx="minor">
-            <a:schemeClr val="dk1"/>
-          </a:fontRef>
-        </p:style>
-        <p:txBody>
-          <a:bodyPr rtlCol="0" anchor="t"/>
-          <a:lstStyle/>
-          <a:p>
-            <a:r>
-              <a:rPr lang="en-US" sz="1600" u="sng" dirty="0"/>
-              <a:t>Temp Data Zone</a:t>
-            </a:r>
-          </a:p>
-          <a:p>
-            <a:r>
-              <a:rPr lang="en-US" sz="1600" strike="sngStrike" dirty="0"/>
-              <a:t>Const x</a:t>
-            </a:r>
-          </a:p>
-        </p:txBody>
-      </p:sp>
       <p:pic>
         <p:nvPicPr>
-          <p:cNvPr id="7" name="Picture 6">
-            <a:extLst>
-              <a:ext uri="{FF2B5EF4-FFF2-40B4-BE49-F238E27FC236}">
-                <a16:creationId xmlns:a16="http://schemas.microsoft.com/office/drawing/2014/main" id="{6683A9FB-61E3-1A17-0621-6B53A4AB58AE}"/>
+          <p:cNvPr id="4" name="Picture 3">
+            <a:extLst>
+              <a:ext uri="{FF2B5EF4-FFF2-40B4-BE49-F238E27FC236}">
+                <a16:creationId xmlns:a16="http://schemas.microsoft.com/office/drawing/2014/main" id="{7973C21C-6F21-D262-6596-E415A0B19257}"/>
               </a:ext>
             </a:extLst>
           </p:cNvPr>
@@ -8069,10 +8168,315 @@
           </a:prstGeom>
         </p:spPr>
       </p:pic>
+      <p:sp>
+        <p:nvSpPr>
+          <p:cNvPr id="7" name="Rectangle 6">
+            <a:extLst>
+              <a:ext uri="{FF2B5EF4-FFF2-40B4-BE49-F238E27FC236}">
+                <a16:creationId xmlns:a16="http://schemas.microsoft.com/office/drawing/2014/main" id="{EFFF74A0-CB74-0C99-2184-409316B51A10}"/>
+              </a:ext>
+            </a:extLst>
+          </p:cNvPr>
+          <p:cNvSpPr/>
+          <p:nvPr/>
+        </p:nvSpPr>
+        <p:spPr>
+          <a:xfrm>
+            <a:off x="3725968" y="3896883"/>
+            <a:ext cx="5751319" cy="1939895"/>
+          </a:xfrm>
+          <a:prstGeom prst="rect">
+            <a:avLst/>
+          </a:prstGeom>
+        </p:spPr>
+        <p:style>
+          <a:lnRef idx="2">
+            <a:schemeClr val="accent6"/>
+          </a:lnRef>
+          <a:fillRef idx="1">
+            <a:schemeClr val="lt1"/>
+          </a:fillRef>
+          <a:effectRef idx="0">
+            <a:schemeClr val="accent6"/>
+          </a:effectRef>
+          <a:fontRef idx="minor">
+            <a:schemeClr val="dk1"/>
+          </a:fontRef>
+        </p:style>
+        <p:txBody>
+          <a:bodyPr rtlCol="0" anchor="ctr"/>
+          <a:lstStyle/>
+          <a:p>
+            <a:r>
+              <a:rPr lang="en-US" u="sng" dirty="0"/>
+              <a:t>Global Execution Context: Creation </a:t>
+            </a:r>
+            <a:r>
+              <a:rPr lang="en-US" u="sng" dirty="0">
+                <a:solidFill>
+                  <a:srgbClr val="FF0000"/>
+                </a:solidFill>
+              </a:rPr>
+              <a:t>-&gt; Execution</a:t>
+            </a:r>
+          </a:p>
+          <a:p>
+            <a:r>
+              <a:rPr lang="en-US" dirty="0"/>
+              <a:t>Lexical Environment{</a:t>
+            </a:r>
+          </a:p>
+          <a:p>
+            <a:r>
+              <a:rPr lang="en-US" dirty="0"/>
+              <a:t>	b: fun, </a:t>
+            </a:r>
+          </a:p>
+          <a:p>
+            <a:r>
+              <a:rPr lang="en-US" dirty="0"/>
+              <a:t>	y: </a:t>
+            </a:r>
+            <a:r>
+              <a:rPr lang="en-US" dirty="0">
+                <a:solidFill>
+                  <a:srgbClr val="FF0000"/>
+                </a:solidFill>
+              </a:rPr>
+              <a:t>40</a:t>
+            </a:r>
+            <a:r>
+              <a:rPr lang="en-US" dirty="0"/>
+              <a:t>,</a:t>
+            </a:r>
+          </a:p>
+          <a:p>
+            <a:r>
+              <a:rPr lang="en-US" dirty="0"/>
+              <a:t>	x:</a:t>
+            </a:r>
+            <a:r>
+              <a:rPr lang="en-US" dirty="0">
+                <a:solidFill>
+                  <a:srgbClr val="FF0000"/>
+                </a:solidFill>
+              </a:rPr>
+              <a:t>20</a:t>
+            </a:r>
+            <a:r>
+              <a:rPr lang="en-US" dirty="0"/>
+              <a:t>, </a:t>
+            </a:r>
+          </a:p>
+          <a:p>
+            <a:r>
+              <a:rPr lang="en-US" dirty="0"/>
+              <a:t>	outer: null</a:t>
+            </a:r>
+          </a:p>
+          <a:p>
+            <a:r>
+              <a:rPr lang="en-US" dirty="0"/>
+              <a:t>}</a:t>
+            </a:r>
+          </a:p>
+        </p:txBody>
+      </p:sp>
+      <p:sp>
+        <p:nvSpPr>
+          <p:cNvPr id="8" name="Rounded Rectangle 7">
+            <a:extLst>
+              <a:ext uri="{FF2B5EF4-FFF2-40B4-BE49-F238E27FC236}">
+                <a16:creationId xmlns:a16="http://schemas.microsoft.com/office/drawing/2014/main" id="{AA892999-2489-4C01-6732-9E291EECD8AF}"/>
+              </a:ext>
+            </a:extLst>
+          </p:cNvPr>
+          <p:cNvSpPr/>
+          <p:nvPr/>
+        </p:nvSpPr>
+        <p:spPr>
+          <a:xfrm>
+            <a:off x="9793423" y="4136164"/>
+            <a:ext cx="1777526" cy="1076770"/>
+          </a:xfrm>
+          <a:prstGeom prst="roundRect">
+            <a:avLst/>
+          </a:prstGeom>
+        </p:spPr>
+        <p:style>
+          <a:lnRef idx="2">
+            <a:schemeClr val="accent6"/>
+          </a:lnRef>
+          <a:fillRef idx="1">
+            <a:schemeClr val="lt1"/>
+          </a:fillRef>
+          <a:effectRef idx="0">
+            <a:schemeClr val="accent6"/>
+          </a:effectRef>
+          <a:fontRef idx="minor">
+            <a:schemeClr val="dk1"/>
+          </a:fontRef>
+        </p:style>
+        <p:txBody>
+          <a:bodyPr rtlCol="0" anchor="t"/>
+          <a:lstStyle/>
+          <a:p>
+            <a:r>
+              <a:rPr lang="en-US" sz="1600" u="sng" dirty="0"/>
+              <a:t>Temp Data Zone</a:t>
+            </a:r>
+          </a:p>
+          <a:p>
+            <a:r>
+              <a:rPr lang="en-US" sz="1600" strike="sngStrike" dirty="0"/>
+              <a:t>Const x</a:t>
+            </a:r>
+          </a:p>
+        </p:txBody>
+      </p:sp>
+      <p:sp>
+        <p:nvSpPr>
+          <p:cNvPr id="2" name="Rectangle 1">
+            <a:extLst>
+              <a:ext uri="{FF2B5EF4-FFF2-40B4-BE49-F238E27FC236}">
+                <a16:creationId xmlns:a16="http://schemas.microsoft.com/office/drawing/2014/main" id="{42EAE9DC-5CED-47D2-B569-043222F811C4}"/>
+              </a:ext>
+            </a:extLst>
+          </p:cNvPr>
+          <p:cNvSpPr/>
+          <p:nvPr/>
+        </p:nvSpPr>
+        <p:spPr>
+          <a:xfrm>
+            <a:off x="3725967" y="1875801"/>
+            <a:ext cx="5751319" cy="1939895"/>
+          </a:xfrm>
+          <a:prstGeom prst="rect">
+            <a:avLst/>
+          </a:prstGeom>
+        </p:spPr>
+        <p:style>
+          <a:lnRef idx="2">
+            <a:schemeClr val="accent6"/>
+          </a:lnRef>
+          <a:fillRef idx="1">
+            <a:schemeClr val="lt1"/>
+          </a:fillRef>
+          <a:effectRef idx="0">
+            <a:schemeClr val="accent6"/>
+          </a:effectRef>
+          <a:fontRef idx="minor">
+            <a:schemeClr val="dk1"/>
+          </a:fontRef>
+        </p:style>
+        <p:txBody>
+          <a:bodyPr rtlCol="0" anchor="ctr"/>
+          <a:lstStyle/>
+          <a:p>
+            <a:r>
+              <a:rPr lang="en-US" u="sng" dirty="0"/>
+              <a:t>B Function Execution Context: Creation </a:t>
+            </a:r>
+            <a:endParaRPr lang="en-US" u="sng" dirty="0">
+              <a:solidFill>
+                <a:srgbClr val="FF0000"/>
+              </a:solidFill>
+            </a:endParaRPr>
+          </a:p>
+          <a:p>
+            <a:r>
+              <a:rPr lang="en-US" dirty="0"/>
+              <a:t>Lexical Environment{</a:t>
+            </a:r>
+          </a:p>
+          <a:p>
+            <a:r>
+              <a:rPr lang="en-US" dirty="0"/>
+              <a:t>	argument:{length:0},</a:t>
+            </a:r>
+          </a:p>
+          <a:p>
+            <a:r>
+              <a:rPr lang="en-US" dirty="0"/>
+              <a:t>	a: fun,</a:t>
+            </a:r>
+          </a:p>
+          <a:p>
+            <a:r>
+              <a:rPr lang="en-US" dirty="0"/>
+              <a:t>	x: undefined,</a:t>
+            </a:r>
+          </a:p>
+          <a:p>
+            <a:r>
+              <a:rPr lang="en-US" dirty="0"/>
+              <a:t>	outer: Global</a:t>
+            </a:r>
+          </a:p>
+          <a:p>
+            <a:r>
+              <a:rPr lang="en-US" dirty="0"/>
+              <a:t>}</a:t>
+            </a:r>
+          </a:p>
+        </p:txBody>
+      </p:sp>
+      <p:sp>
+        <p:nvSpPr>
+          <p:cNvPr id="3" name="Rounded Rectangle 2">
+            <a:extLst>
+              <a:ext uri="{FF2B5EF4-FFF2-40B4-BE49-F238E27FC236}">
+                <a16:creationId xmlns:a16="http://schemas.microsoft.com/office/drawing/2014/main" id="{8491966F-2F10-DA43-D51C-0138F625C089}"/>
+              </a:ext>
+            </a:extLst>
+          </p:cNvPr>
+          <p:cNvSpPr/>
+          <p:nvPr/>
+        </p:nvSpPr>
+        <p:spPr>
+          <a:xfrm>
+            <a:off x="9723632" y="2106537"/>
+            <a:ext cx="1777526" cy="1076770"/>
+          </a:xfrm>
+          <a:prstGeom prst="roundRect">
+            <a:avLst/>
+          </a:prstGeom>
+        </p:spPr>
+        <p:style>
+          <a:lnRef idx="2">
+            <a:schemeClr val="accent6"/>
+          </a:lnRef>
+          <a:fillRef idx="1">
+            <a:schemeClr val="lt1"/>
+          </a:fillRef>
+          <a:effectRef idx="0">
+            <a:schemeClr val="accent6"/>
+          </a:effectRef>
+          <a:fontRef idx="minor">
+            <a:schemeClr val="dk1"/>
+          </a:fontRef>
+        </p:style>
+        <p:txBody>
+          <a:bodyPr rtlCol="0" anchor="t"/>
+          <a:lstStyle/>
+          <a:p>
+            <a:r>
+              <a:rPr lang="en-US" sz="1600" u="sng" dirty="0"/>
+              <a:t>Temp Data Zone</a:t>
+            </a:r>
+          </a:p>
+          <a:p>
+            <a:r>
+              <a:rPr lang="en-US" sz="1600" dirty="0"/>
+              <a:t>Const y</a:t>
+            </a:r>
+          </a:p>
+        </p:txBody>
+      </p:sp>
     </p:spTree>
     <p:extLst>
       <p:ext uri="{BB962C8B-B14F-4D97-AF65-F5344CB8AC3E}">
-        <p14:creationId xmlns:p14="http://schemas.microsoft.com/office/powerpoint/2010/main" val="207228582"/>
+        <p14:creationId xmlns:p14="http://schemas.microsoft.com/office/powerpoint/2010/main" val="575284956"/>
       </p:ext>
     </p:extLst>
   </p:cSld>
